--- a/Report/Week_Rport_4_130924.pptx
+++ b/Report/Week_Rport_4_130924.pptx
@@ -202,7 +202,7 @@
           <a:p>
             <a:fld id="{B8244720-2F69-48D6-BF81-3542C6013441}" type="datetimeFigureOut">
               <a:rPr lang="en-US" smtClean="0"/>
-              <a:t>13-9-24</a:t>
+              <a:t>10/13/15</a:t>
             </a:fld>
             <a:endParaRPr lang="en-US"/>
           </a:p>
@@ -707,7 +707,7 @@
             <a:fld id="{1D8BD707-D9CF-40AE-B4C6-C98DA3205C09}" type="datetimeFigureOut">
               <a:rPr lang="en-US" smtClean="0"/>
               <a:pPr/>
-              <a:t>13-9-24</a:t>
+              <a:t>10/13/15</a:t>
             </a:fld>
             <a:endParaRPr lang="en-US"/>
           </a:p>
@@ -928,7 +928,7 @@
             <a:fld id="{1D8BD707-D9CF-40AE-B4C6-C98DA3205C09}" type="datetimeFigureOut">
               <a:rPr lang="en-US" smtClean="0"/>
               <a:pPr/>
-              <a:t>13-9-24</a:t>
+              <a:t>10/13/15</a:t>
             </a:fld>
             <a:endParaRPr lang="en-US"/>
           </a:p>
@@ -1105,7 +1105,7 @@
             <a:fld id="{1D8BD707-D9CF-40AE-B4C6-C98DA3205C09}" type="datetimeFigureOut">
               <a:rPr lang="en-US" smtClean="0"/>
               <a:pPr/>
-              <a:t>13-9-24</a:t>
+              <a:t>10/13/15</a:t>
             </a:fld>
             <a:endParaRPr lang="en-US"/>
           </a:p>
@@ -1308,7 +1308,7 @@
             <a:fld id="{1D8BD707-D9CF-40AE-B4C6-C98DA3205C09}" type="datetimeFigureOut">
               <a:rPr lang="en-US" smtClean="0"/>
               <a:pPr/>
-              <a:t>13-9-24</a:t>
+              <a:t>10/13/15</a:t>
             </a:fld>
             <a:endParaRPr lang="en-US"/>
           </a:p>
@@ -1558,7 +1558,7 @@
             <a:fld id="{1D8BD707-D9CF-40AE-B4C6-C98DA3205C09}" type="datetimeFigureOut">
               <a:rPr lang="en-US" smtClean="0"/>
               <a:pPr/>
-              <a:t>13-9-24</a:t>
+              <a:t>10/13/15</a:t>
             </a:fld>
             <a:endParaRPr lang="en-US"/>
           </a:p>
@@ -1843,7 +1843,7 @@
             <a:fld id="{1D8BD707-D9CF-40AE-B4C6-C98DA3205C09}" type="datetimeFigureOut">
               <a:rPr lang="en-US" smtClean="0"/>
               <a:pPr/>
-              <a:t>13-9-24</a:t>
+              <a:t>10/13/15</a:t>
             </a:fld>
             <a:endParaRPr lang="en-US"/>
           </a:p>
@@ -2262,7 +2262,7 @@
             <a:fld id="{1D8BD707-D9CF-40AE-B4C6-C98DA3205C09}" type="datetimeFigureOut">
               <a:rPr lang="en-US" smtClean="0"/>
               <a:pPr/>
-              <a:t>13-9-24</a:t>
+              <a:t>10/13/15</a:t>
             </a:fld>
             <a:endParaRPr lang="en-US"/>
           </a:p>
@@ -2377,7 +2377,7 @@
             <a:fld id="{1D8BD707-D9CF-40AE-B4C6-C98DA3205C09}" type="datetimeFigureOut">
               <a:rPr lang="en-US" smtClean="0"/>
               <a:pPr/>
-              <a:t>13-9-24</a:t>
+              <a:t>10/13/15</a:t>
             </a:fld>
             <a:endParaRPr lang="en-US"/>
           </a:p>
@@ -2469,7 +2469,7 @@
             <a:fld id="{1D8BD707-D9CF-40AE-B4C6-C98DA3205C09}" type="datetimeFigureOut">
               <a:rPr lang="en-US" smtClean="0"/>
               <a:pPr/>
-              <a:t>13-9-24</a:t>
+              <a:t>10/13/15</a:t>
             </a:fld>
             <a:endParaRPr lang="en-US"/>
           </a:p>
@@ -2743,7 +2743,7 @@
             <a:fld id="{1D8BD707-D9CF-40AE-B4C6-C98DA3205C09}" type="datetimeFigureOut">
               <a:rPr lang="en-US" smtClean="0"/>
               <a:pPr/>
-              <a:t>13-9-24</a:t>
+              <a:t>10/13/15</a:t>
             </a:fld>
             <a:endParaRPr lang="en-US"/>
           </a:p>
@@ -2993,7 +2993,7 @@
             <a:fld id="{1D8BD707-D9CF-40AE-B4C6-C98DA3205C09}" type="datetimeFigureOut">
               <a:rPr lang="en-US" smtClean="0"/>
               <a:pPr/>
-              <a:t>13-9-24</a:t>
+              <a:t>10/13/15</a:t>
             </a:fld>
             <a:endParaRPr lang="en-US"/>
           </a:p>
@@ -3224,7 +3224,7 @@
             <a:fld id="{1D8BD707-D9CF-40AE-B4C6-C98DA3205C09}" type="datetimeFigureOut">
               <a:rPr lang="en-US" smtClean="0"/>
               <a:pPr/>
-              <a:t>13-9-24</a:t>
+              <a:t>10/13/15</a:t>
             </a:fld>
             <a:endParaRPr lang="en-US"/>
           </a:p>
@@ -3618,8 +3618,16 @@
           <a:lstStyle/>
           <a:p>
             <a:r>
+              <a:rPr lang="en-US" altLang="zh-CN" sz="7200" dirty="0" smtClean="0"/>
+              <a:t>Introduction</a:t>
+            </a:r>
+            <a:r>
+              <a:rPr lang="zh-CN" altLang="en-US" sz="7200" dirty="0" smtClean="0"/>
+              <a:t> </a:t>
+            </a:r>
+            <a:r>
               <a:rPr lang="en-US" sz="7200" dirty="0" smtClean="0"/>
-              <a:t>Weekly Report</a:t>
+              <a:t>Report</a:t>
             </a:r>
             <a:r>
               <a:rPr lang="en-US" dirty="0" smtClean="0"/>
@@ -3676,8 +3684,8 @@
           <a:p>
             <a:pPr algn="r"/>
             <a:r>
-              <a:rPr lang="en-US" dirty="0" smtClean="0"/>
-              <a:t>n</a:t>
+              <a:rPr lang="zh-CN" altLang="en-US" smtClean="0"/>
+              <a:t>开题报告</a:t>
             </a:r>
             <a:endParaRPr lang="en-US" dirty="0"/>
           </a:p>
